--- a/PPT/01.자바스크립트 - 데이터 타입.pptx
+++ b/PPT/01.자바스크립트 - 데이터 타입.pptx
@@ -364,7 +364,7 @@
   <pc:docChgLst>
     <pc:chgData name="jeongkilyong" userId="42a1e730-e7ec-4950-9a60-48236c77d83b" providerId="ADAL" clId="{AF33EE09-1563-4B99-999A-EB513D20AF18}"/>
     <pc:docChg chg="undo custSel addSld delSld modSld sldOrd delSection modSection">
-      <pc:chgData name="jeongkilyong" userId="42a1e730-e7ec-4950-9a60-48236c77d83b" providerId="ADAL" clId="{AF33EE09-1563-4B99-999A-EB513D20AF18}" dt="2023-10-23T23:58:04.244" v="962" actId="207"/>
+      <pc:chgData name="jeongkilyong" userId="42a1e730-e7ec-4950-9a60-48236c77d83b" providerId="ADAL" clId="{AF33EE09-1563-4B99-999A-EB513D20AF18}" dt="2023-10-24T05:17:12.935" v="996" actId="571"/>
       <pc:docMkLst>
         <pc:docMk/>
       </pc:docMkLst>
@@ -648,7 +648,7 @@
         </pc:picChg>
       </pc:sldChg>
       <pc:sldChg chg="addSp delSp modSp add mod delAnim modAnim">
-        <pc:chgData name="jeongkilyong" userId="42a1e730-e7ec-4950-9a60-48236c77d83b" providerId="ADAL" clId="{AF33EE09-1563-4B99-999A-EB513D20AF18}" dt="2023-10-23T07:31:36.720" v="832" actId="207"/>
+        <pc:chgData name="jeongkilyong" userId="42a1e730-e7ec-4950-9a60-48236c77d83b" providerId="ADAL" clId="{AF33EE09-1563-4B99-999A-EB513D20AF18}" dt="2023-10-24T04:11:52.370" v="966" actId="478"/>
         <pc:sldMkLst>
           <pc:docMk/>
           <pc:sldMk cId="1332861574" sldId="297"/>
@@ -709,8 +709,8 @@
             <ac:spMk id="12" creationId="{10ACD4E5-1FFB-574E-8F99-C84FF7F7144F}"/>
           </ac:spMkLst>
         </pc:spChg>
-        <pc:spChg chg="add mod">
-          <ac:chgData name="jeongkilyong" userId="42a1e730-e7ec-4950-9a60-48236c77d83b" providerId="ADAL" clId="{AF33EE09-1563-4B99-999A-EB513D20AF18}" dt="2023-10-23T07:24:37.544" v="797" actId="1076"/>
+        <pc:spChg chg="add del mod">
+          <ac:chgData name="jeongkilyong" userId="42a1e730-e7ec-4950-9a60-48236c77d83b" providerId="ADAL" clId="{AF33EE09-1563-4B99-999A-EB513D20AF18}" dt="2023-10-24T04:11:52.370" v="966" actId="478"/>
           <ac:spMkLst>
             <pc:docMk/>
             <pc:sldMk cId="1332861574" sldId="297"/>
@@ -733,8 +733,8 @@
             <ac:graphicFrameMk id="10" creationId="{3BD5CC82-F72F-4B14-B703-4CFC3C242B79}"/>
           </ac:graphicFrameMkLst>
         </pc:graphicFrameChg>
-        <pc:picChg chg="add mod">
-          <ac:chgData name="jeongkilyong" userId="42a1e730-e7ec-4950-9a60-48236c77d83b" providerId="ADAL" clId="{AF33EE09-1563-4B99-999A-EB513D20AF18}" dt="2023-10-23T07:24:37.544" v="797" actId="1076"/>
+        <pc:picChg chg="add del mod">
+          <ac:chgData name="jeongkilyong" userId="42a1e730-e7ec-4950-9a60-48236c77d83b" providerId="ADAL" clId="{AF33EE09-1563-4B99-999A-EB513D20AF18}" dt="2023-10-24T04:11:52.370" v="966" actId="478"/>
           <ac:picMkLst>
             <pc:docMk/>
             <pc:sldMk cId="1332861574" sldId="297"/>
@@ -742,8 +742,8 @@
           </ac:picMkLst>
         </pc:picChg>
       </pc:sldChg>
-      <pc:sldChg chg="addSp modSp add mod">
-        <pc:chgData name="jeongkilyong" userId="42a1e730-e7ec-4950-9a60-48236c77d83b" providerId="ADAL" clId="{AF33EE09-1563-4B99-999A-EB513D20AF18}" dt="2023-10-23T07:31:51.588" v="833" actId="207"/>
+      <pc:sldChg chg="addSp delSp modSp add mod">
+        <pc:chgData name="jeongkilyong" userId="42a1e730-e7ec-4950-9a60-48236c77d83b" providerId="ADAL" clId="{AF33EE09-1563-4B99-999A-EB513D20AF18}" dt="2023-10-24T04:11:40.536" v="965"/>
         <pc:sldMkLst>
           <pc:docMk/>
           <pc:sldMk cId="4177267907" sldId="298"/>
@@ -772,12 +772,20 @@
             <ac:spMk id="6" creationId="{D7A4E6A6-BF1C-4DE1-BCFB-692B4276AB25}"/>
           </ac:spMkLst>
         </pc:spChg>
-        <pc:spChg chg="add mod">
-          <ac:chgData name="jeongkilyong" userId="42a1e730-e7ec-4950-9a60-48236c77d83b" providerId="ADAL" clId="{AF33EE09-1563-4B99-999A-EB513D20AF18}" dt="2023-10-23T07:24:48.745" v="799" actId="1076"/>
+        <pc:spChg chg="add del mod">
+          <ac:chgData name="jeongkilyong" userId="42a1e730-e7ec-4950-9a60-48236c77d83b" providerId="ADAL" clId="{AF33EE09-1563-4B99-999A-EB513D20AF18}" dt="2023-10-24T04:11:40.172" v="964" actId="478"/>
           <ac:spMkLst>
             <pc:docMk/>
             <pc:sldMk cId="4177267907" sldId="298"/>
             <ac:spMk id="8" creationId="{65CD8C68-C7E9-40BB-B3FB-1586470DBD9B}"/>
+          </ac:spMkLst>
+        </pc:spChg>
+        <pc:spChg chg="add mod">
+          <ac:chgData name="jeongkilyong" userId="42a1e730-e7ec-4950-9a60-48236c77d83b" providerId="ADAL" clId="{AF33EE09-1563-4B99-999A-EB513D20AF18}" dt="2023-10-24T04:11:40.536" v="965"/>
+          <ac:spMkLst>
+            <pc:docMk/>
+            <pc:sldMk cId="4177267907" sldId="298"/>
+            <ac:spMk id="11" creationId="{BE57FB5D-5F9D-4A94-8054-1CC4EA3FE950}"/>
           </ac:spMkLst>
         </pc:spChg>
         <pc:spChg chg="mod">
@@ -788,12 +796,20 @@
             <ac:spMk id="12" creationId="{10ACD4E5-1FFB-574E-8F99-C84FF7F7144F}"/>
           </ac:spMkLst>
         </pc:spChg>
-        <pc:picChg chg="add mod">
-          <ac:chgData name="jeongkilyong" userId="42a1e730-e7ec-4950-9a60-48236c77d83b" providerId="ADAL" clId="{AF33EE09-1563-4B99-999A-EB513D20AF18}" dt="2023-10-23T07:24:48.745" v="799" actId="1076"/>
+        <pc:picChg chg="add del mod">
+          <ac:chgData name="jeongkilyong" userId="42a1e730-e7ec-4950-9a60-48236c77d83b" providerId="ADAL" clId="{AF33EE09-1563-4B99-999A-EB513D20AF18}" dt="2023-10-24T04:11:40.172" v="964" actId="478"/>
           <ac:picMkLst>
             <pc:docMk/>
             <pc:sldMk cId="4177267907" sldId="298"/>
             <ac:picMk id="7" creationId="{8918B333-95E1-4BE6-95E7-8DF82765BA97}"/>
+          </ac:picMkLst>
+        </pc:picChg>
+        <pc:picChg chg="add mod">
+          <ac:chgData name="jeongkilyong" userId="42a1e730-e7ec-4950-9a60-48236c77d83b" providerId="ADAL" clId="{AF33EE09-1563-4B99-999A-EB513D20AF18}" dt="2023-10-24T04:11:40.536" v="965"/>
+          <ac:picMkLst>
+            <pc:docMk/>
+            <pc:sldMk cId="4177267907" sldId="298"/>
+            <ac:picMk id="10" creationId="{4E3FB94B-2804-422F-9A19-B899C9C9343F}"/>
           </ac:picMkLst>
         </pc:picChg>
       </pc:sldChg>
@@ -915,7 +931,7 @@
         </pc:spChg>
       </pc:sldChg>
       <pc:sldChg chg="addSp modSp add mod">
-        <pc:chgData name="jeongkilyong" userId="42a1e730-e7ec-4950-9a60-48236c77d83b" providerId="ADAL" clId="{AF33EE09-1563-4B99-999A-EB513D20AF18}" dt="2023-10-23T07:25:13.313" v="803" actId="1076"/>
+        <pc:chgData name="jeongkilyong" userId="42a1e730-e7ec-4950-9a60-48236c77d83b" providerId="ADAL" clId="{AF33EE09-1563-4B99-999A-EB513D20AF18}" dt="2023-10-24T04:49:39.178" v="986" actId="20577"/>
         <pc:sldMkLst>
           <pc:docMk/>
           <pc:sldMk cId="2154788897" sldId="302"/>
@@ -929,7 +945,7 @@
           </ac:spMkLst>
         </pc:spChg>
         <pc:spChg chg="add mod">
-          <ac:chgData name="jeongkilyong" userId="42a1e730-e7ec-4950-9a60-48236c77d83b" providerId="ADAL" clId="{AF33EE09-1563-4B99-999A-EB513D20AF18}" dt="2023-10-23T07:19:23.788" v="775"/>
+          <ac:chgData name="jeongkilyong" userId="42a1e730-e7ec-4950-9a60-48236c77d83b" providerId="ADAL" clId="{AF33EE09-1563-4B99-999A-EB513D20AF18}" dt="2023-10-24T04:49:32.177" v="975" actId="20577"/>
           <ac:spMkLst>
             <pc:docMk/>
             <pc:sldMk cId="2154788897" sldId="302"/>
@@ -937,7 +953,7 @@
           </ac:spMkLst>
         </pc:spChg>
         <pc:spChg chg="add mod">
-          <ac:chgData name="jeongkilyong" userId="42a1e730-e7ec-4950-9a60-48236c77d83b" providerId="ADAL" clId="{AF33EE09-1563-4B99-999A-EB513D20AF18}" dt="2023-10-23T07:19:23.788" v="775"/>
+          <ac:chgData name="jeongkilyong" userId="42a1e730-e7ec-4950-9a60-48236c77d83b" providerId="ADAL" clId="{AF33EE09-1563-4B99-999A-EB513D20AF18}" dt="2023-10-24T04:49:39.178" v="986" actId="20577"/>
           <ac:spMkLst>
             <pc:docMk/>
             <pc:sldMk cId="2154788897" sldId="302"/>
@@ -1143,7 +1159,7 @@
         </pc:picChg>
       </pc:sldChg>
       <pc:sldChg chg="addSp modSp add mod modAnim">
-        <pc:chgData name="jeongkilyong" userId="42a1e730-e7ec-4950-9a60-48236c77d83b" providerId="ADAL" clId="{AF33EE09-1563-4B99-999A-EB513D20AF18}" dt="2023-10-23T23:57:47.695" v="955" actId="1076"/>
+        <pc:chgData name="jeongkilyong" userId="42a1e730-e7ec-4950-9a60-48236c77d83b" providerId="ADAL" clId="{AF33EE09-1563-4B99-999A-EB513D20AF18}" dt="2023-10-24T05:17:12.935" v="996" actId="571"/>
         <pc:sldMkLst>
           <pc:docMk/>
           <pc:sldMk cId="636080613" sldId="306"/>
@@ -1165,11 +1181,19 @@
           </ac:spMkLst>
         </pc:spChg>
         <pc:spChg chg="add mod">
-          <ac:chgData name="jeongkilyong" userId="42a1e730-e7ec-4950-9a60-48236c77d83b" providerId="ADAL" clId="{AF33EE09-1563-4B99-999A-EB513D20AF18}" dt="2023-10-23T07:34:33.322" v="854" actId="1037"/>
+          <ac:chgData name="jeongkilyong" userId="42a1e730-e7ec-4950-9a60-48236c77d83b" providerId="ADAL" clId="{AF33EE09-1563-4B99-999A-EB513D20AF18}" dt="2023-10-24T05:16:47.177" v="995" actId="1035"/>
           <ac:spMkLst>
             <pc:docMk/>
             <pc:sldMk cId="636080613" sldId="306"/>
             <ac:spMk id="6" creationId="{7AF48818-ED48-4160-9C3D-4C4E98CD7DDA}"/>
+          </ac:spMkLst>
+        </pc:spChg>
+        <pc:spChg chg="add mod">
+          <ac:chgData name="jeongkilyong" userId="42a1e730-e7ec-4950-9a60-48236c77d83b" providerId="ADAL" clId="{AF33EE09-1563-4B99-999A-EB513D20AF18}" dt="2023-10-24T05:17:12.935" v="996" actId="571"/>
+          <ac:spMkLst>
+            <pc:docMk/>
+            <pc:sldMk cId="636080613" sldId="306"/>
+            <ac:spMk id="7" creationId="{205FEE4C-509D-43CF-8155-A539EB194638}"/>
           </ac:spMkLst>
         </pc:spChg>
         <pc:spChg chg="mod">
@@ -1556,14 +1580,14 @@
           <pc:sldMk cId="1789302377" sldId="315"/>
         </pc:sldMkLst>
       </pc:sldChg>
-      <pc:sldChg chg="addSp modSp add">
-        <pc:chgData name="jeongkilyong" userId="42a1e730-e7ec-4950-9a60-48236c77d83b" providerId="ADAL" clId="{AF33EE09-1563-4B99-999A-EB513D20AF18}" dt="2023-10-23T07:18:09.027" v="768"/>
+      <pc:sldChg chg="addSp modSp add mod">
+        <pc:chgData name="jeongkilyong" userId="42a1e730-e7ec-4950-9a60-48236c77d83b" providerId="ADAL" clId="{AF33EE09-1563-4B99-999A-EB513D20AF18}" dt="2023-10-24T04:16:24.121" v="970" actId="207"/>
         <pc:sldMkLst>
           <pc:docMk/>
           <pc:sldMk cId="3136811878" sldId="316"/>
         </pc:sldMkLst>
         <pc:spChg chg="add mod">
-          <ac:chgData name="jeongkilyong" userId="42a1e730-e7ec-4950-9a60-48236c77d83b" providerId="ADAL" clId="{AF33EE09-1563-4B99-999A-EB513D20AF18}" dt="2023-10-23T07:18:05.342" v="767"/>
+          <ac:chgData name="jeongkilyong" userId="42a1e730-e7ec-4950-9a60-48236c77d83b" providerId="ADAL" clId="{AF33EE09-1563-4B99-999A-EB513D20AF18}" dt="2023-10-24T04:16:24.121" v="970" actId="207"/>
           <ac:spMkLst>
             <pc:docMk/>
             <pc:sldMk cId="3136811878" sldId="316"/>
@@ -1586,6 +1610,22 @@
             <ac:spMk id="6" creationId="{8DF830D3-ACBC-4193-B3CE-8A0B21CF67B3}"/>
           </ac:spMkLst>
         </pc:spChg>
+        <pc:spChg chg="add mod">
+          <ac:chgData name="jeongkilyong" userId="42a1e730-e7ec-4950-9a60-48236c77d83b" providerId="ADAL" clId="{AF33EE09-1563-4B99-999A-EB513D20AF18}" dt="2023-10-24T04:11:33.960" v="963"/>
+          <ac:spMkLst>
+            <pc:docMk/>
+            <pc:sldMk cId="3136811878" sldId="316"/>
+            <ac:spMk id="8" creationId="{DA3FBD69-DD2F-4F69-871F-53265C5F7389}"/>
+          </ac:spMkLst>
+        </pc:spChg>
+        <pc:picChg chg="add mod">
+          <ac:chgData name="jeongkilyong" userId="42a1e730-e7ec-4950-9a60-48236c77d83b" providerId="ADAL" clId="{AF33EE09-1563-4B99-999A-EB513D20AF18}" dt="2023-10-24T04:11:33.960" v="963"/>
+          <ac:picMkLst>
+            <pc:docMk/>
+            <pc:sldMk cId="3136811878" sldId="316"/>
+            <ac:picMk id="7" creationId="{8B2FB811-791A-4220-8724-30CA6C0FA7A3}"/>
+          </ac:picMkLst>
+        </pc:picChg>
       </pc:sldChg>
     </pc:docChg>
   </pc:docChgLst>
@@ -2089,7 +2129,7 @@
           <a:bodyPr/>
           <a:lstStyle/>
           <a:p>
-            <a:fld id="{B659EAAA-2E5E-6E4E-B826-B8B683223F04}" type="datetimeFigureOut">
+            <a:fld id="{5FD0AF26-B2D6-41C9-847A-12B3D1677265}" type="datetime1">
               <a:rPr kumimoji="1" lang="ko-KR" altLang="en-US" smtClean="0"/>
               <a:t>2023-10-24</a:t>
             </a:fld>
@@ -2287,7 +2327,7 @@
           <a:bodyPr/>
           <a:lstStyle/>
           <a:p>
-            <a:fld id="{B659EAAA-2E5E-6E4E-B826-B8B683223F04}" type="datetimeFigureOut">
+            <a:fld id="{11A845FB-4EAB-4F93-BE87-891FAC391B0C}" type="datetime1">
               <a:rPr kumimoji="1" lang="ko-KR" altLang="en-US" smtClean="0"/>
               <a:t>2023-10-24</a:t>
             </a:fld>
@@ -2495,7 +2535,7 @@
           <a:bodyPr/>
           <a:lstStyle/>
           <a:p>
-            <a:fld id="{B659EAAA-2E5E-6E4E-B826-B8B683223F04}" type="datetimeFigureOut">
+            <a:fld id="{6597FBCF-59BC-423C-A27E-A4E0342EEDF5}" type="datetime1">
               <a:rPr kumimoji="1" lang="ko-KR" altLang="en-US" smtClean="0"/>
               <a:t>2023-10-24</a:t>
             </a:fld>
@@ -2693,7 +2733,7 @@
           <a:bodyPr/>
           <a:lstStyle/>
           <a:p>
-            <a:fld id="{B659EAAA-2E5E-6E4E-B826-B8B683223F04}" type="datetimeFigureOut">
+            <a:fld id="{59DE6E8A-4C0D-4CC6-BBD6-2F945A6B3540}" type="datetime1">
               <a:rPr kumimoji="1" lang="ko-KR" altLang="en-US" smtClean="0"/>
               <a:t>2023-10-24</a:t>
             </a:fld>
@@ -2968,7 +3008,7 @@
           <a:bodyPr/>
           <a:lstStyle/>
           <a:p>
-            <a:fld id="{B659EAAA-2E5E-6E4E-B826-B8B683223F04}" type="datetimeFigureOut">
+            <a:fld id="{BEBFBD75-CCBA-4C22-86CA-859D220600AA}" type="datetime1">
               <a:rPr kumimoji="1" lang="ko-KR" altLang="en-US" smtClean="0"/>
               <a:t>2023-10-24</a:t>
             </a:fld>
@@ -3233,7 +3273,7 @@
           <a:bodyPr/>
           <a:lstStyle/>
           <a:p>
-            <a:fld id="{B659EAAA-2E5E-6E4E-B826-B8B683223F04}" type="datetimeFigureOut">
+            <a:fld id="{DB031150-5CB0-41C0-9104-5695DD253F49}" type="datetime1">
               <a:rPr kumimoji="1" lang="ko-KR" altLang="en-US" smtClean="0"/>
               <a:t>2023-10-24</a:t>
             </a:fld>
@@ -3645,7 +3685,7 @@
           <a:bodyPr/>
           <a:lstStyle/>
           <a:p>
-            <a:fld id="{B659EAAA-2E5E-6E4E-B826-B8B683223F04}" type="datetimeFigureOut">
+            <a:fld id="{0B78CFAD-1435-498E-ACFE-38131B135631}" type="datetime1">
               <a:rPr kumimoji="1" lang="ko-KR" altLang="en-US" smtClean="0"/>
               <a:t>2023-10-24</a:t>
             </a:fld>
@@ -3786,7 +3826,7 @@
           <a:bodyPr/>
           <a:lstStyle/>
           <a:p>
-            <a:fld id="{B659EAAA-2E5E-6E4E-B826-B8B683223F04}" type="datetimeFigureOut">
+            <a:fld id="{BF2AA6DB-F13D-4C47-BC2B-E1D25CB476ED}" type="datetime1">
               <a:rPr kumimoji="1" lang="ko-KR" altLang="en-US" smtClean="0"/>
               <a:t>2023-10-24</a:t>
             </a:fld>
@@ -3899,7 +3939,7 @@
           <a:bodyPr/>
           <a:lstStyle/>
           <a:p>
-            <a:fld id="{B659EAAA-2E5E-6E4E-B826-B8B683223F04}" type="datetimeFigureOut">
+            <a:fld id="{14FBB438-2880-4761-94BA-7F7996C8C3BD}" type="datetime1">
               <a:rPr kumimoji="1" lang="ko-KR" altLang="en-US" smtClean="0"/>
               <a:t>2023-10-24</a:t>
             </a:fld>
@@ -4210,7 +4250,7 @@
           <a:bodyPr/>
           <a:lstStyle/>
           <a:p>
-            <a:fld id="{B659EAAA-2E5E-6E4E-B826-B8B683223F04}" type="datetimeFigureOut">
+            <a:fld id="{C4D9C33D-E09A-4F6E-A7FA-CF959C3E6DEE}" type="datetime1">
               <a:rPr kumimoji="1" lang="ko-KR" altLang="en-US" smtClean="0"/>
               <a:t>2023-10-24</a:t>
             </a:fld>
@@ -4498,7 +4538,7 @@
           <a:bodyPr/>
           <a:lstStyle/>
           <a:p>
-            <a:fld id="{B659EAAA-2E5E-6E4E-B826-B8B683223F04}" type="datetimeFigureOut">
+            <a:fld id="{DB10E3DE-CCA8-4CB9-BDA2-4741B0CD6641}" type="datetime1">
               <a:rPr kumimoji="1" lang="ko-KR" altLang="en-US" smtClean="0"/>
               <a:t>2023-10-24</a:t>
             </a:fld>
@@ -4741,9 +4781,8 @@
             </a:lvl1pPr>
           </a:lstStyle>
           <a:p>
-            <a:fld id="{B659EAAA-2E5E-6E4E-B826-B8B683223F04}" type="datetimeFigureOut">
+            <a:fld id="{827CA893-2A65-4E72-A022-7CB16F3818A4}" type="datetime1">
               <a:rPr kumimoji="1" lang="ko-KR" altLang="en-US" smtClean="0"/>
-              <a:pPr/>
               <a:t>2023-10-24</a:t>
             </a:fld>
             <a:endParaRPr kumimoji="1" lang="ko-KR" altLang="en-US"/>
@@ -4866,6 +4905,7 @@
     <p:sldLayoutId id="2147483658" r:id="rId10"/>
     <p:sldLayoutId id="2147483659" r:id="rId11"/>
   </p:sldLayoutIdLst>
+  <p:hf hdr="0" ftr="0" dt="0"/>
   <p:txStyles>
     <p:titleStyle>
       <a:lvl1pPr algn="l" defTabSz="914400" rtl="0" eaLnBrk="1" latinLnBrk="1" hangingPunct="1">
@@ -5521,6 +5561,35 @@
           </a:prstGeom>
         </p:spPr>
       </p:pic>
+      <p:sp>
+        <p:nvSpPr>
+          <p:cNvPr id="2" name="슬라이드 번호 개체 틀 1">
+            <a:extLst>
+              <a:ext uri="{FF2B5EF4-FFF2-40B4-BE49-F238E27FC236}">
+                <a16:creationId xmlns:a16="http://schemas.microsoft.com/office/drawing/2014/main" id="{14ABCA55-8967-4B43-8CCF-D58458B45537}"/>
+              </a:ext>
+            </a:extLst>
+          </p:cNvPr>
+          <p:cNvSpPr>
+            <a:spLocks noGrp="1"/>
+          </p:cNvSpPr>
+          <p:nvPr>
+            <p:ph type="sldNum" sz="quarter" idx="12"/>
+          </p:nvPr>
+        </p:nvSpPr>
+        <p:spPr/>
+        <p:txBody>
+          <a:bodyPr/>
+          <a:lstStyle/>
+          <a:p>
+            <a:fld id="{3D1FA427-4C48-8040-8FB9-DF0FCDFDEE83}" type="slidenum">
+              <a:rPr kumimoji="1" lang="ko-KR" altLang="en-US" smtClean="0"/>
+              <a:t>1</a:t>
+            </a:fld>
+            <a:endParaRPr kumimoji="1" lang="ko-KR" altLang="en-US"/>
+          </a:p>
+        </p:txBody>
+      </p:sp>
     </p:spTree>
     <p:extLst>
       <p:ext uri="{BB962C8B-B14F-4D97-AF65-F5344CB8AC3E}">
@@ -6404,10 +6473,10 @@
       </p:sp>
       <p:pic>
         <p:nvPicPr>
-          <p:cNvPr id="7" name="그림 6" descr="코딩아이콘.png">
+          <p:cNvPr id="10" name="그림 9" descr="코딩아이콘.png">
             <a:extLst>
               <a:ext uri="{FF2B5EF4-FFF2-40B4-BE49-F238E27FC236}">
-                <a16:creationId xmlns:a16="http://schemas.microsoft.com/office/drawing/2014/main" id="{8918B333-95E1-4BE6-95E7-8DF82765BA97}"/>
+                <a16:creationId xmlns:a16="http://schemas.microsoft.com/office/drawing/2014/main" id="{4E3FB94B-2804-422F-9A19-B899C9C9343F}"/>
               </a:ext>
             </a:extLst>
           </p:cNvPr>
@@ -6434,10 +6503,10 @@
       </p:pic>
       <p:sp>
         <p:nvSpPr>
-          <p:cNvPr id="8" name="TextBox 7">
+          <p:cNvPr id="11" name="TextBox 10">
             <a:extLst>
               <a:ext uri="{FF2B5EF4-FFF2-40B4-BE49-F238E27FC236}">
-                <a16:creationId xmlns:a16="http://schemas.microsoft.com/office/drawing/2014/main" id="{65CD8C68-C7E9-40BB-B3FB-1586470DBD9B}"/>
+                <a16:creationId xmlns:a16="http://schemas.microsoft.com/office/drawing/2014/main" id="{BE57FB5D-5F9D-4A94-8054-1CC4EA3FE950}"/>
               </a:ext>
             </a:extLst>
           </p:cNvPr>
@@ -6472,7 +6541,7 @@
                 <a:latin typeface="Noto Sans CJK KR Regular" panose="020B0500000000000000" pitchFamily="34" charset="-127"/>
                 <a:ea typeface="Noto Sans CJK KR Regular" panose="020B0500000000000000" pitchFamily="34" charset="-127"/>
               </a:rPr>
-              <a:t>ex01-06</a:t>
+              <a:t>ex01-05.</a:t>
             </a:r>
             <a:r>
               <a:rPr lang="en-US" altLang="ko-KR" dirty="0">
@@ -6485,7 +6554,7 @@
                 <a:latin typeface="Noto Sans CJK KR Regular" panose="020B0500000000000000" pitchFamily="34" charset="-127"/>
                 <a:ea typeface="Noto Sans CJK KR Regular" panose="020B0500000000000000" pitchFamily="34" charset="-127"/>
               </a:rPr>
-              <a:t>.js</a:t>
+              <a:t>js</a:t>
             </a:r>
             <a:endParaRPr lang="ko-KR" altLang="en-US" dirty="0">
               <a:solidFill>
@@ -6497,6 +6566,35 @@
               <a:latin typeface="Noto Sans CJK KR Regular" panose="020B0500000000000000" pitchFamily="34" charset="-127"/>
               <a:ea typeface="Noto Sans CJK KR Regular" panose="020B0500000000000000" pitchFamily="34" charset="-127"/>
             </a:endParaRPr>
+          </a:p>
+        </p:txBody>
+      </p:sp>
+      <p:sp>
+        <p:nvSpPr>
+          <p:cNvPr id="2" name="슬라이드 번호 개체 틀 1">
+            <a:extLst>
+              <a:ext uri="{FF2B5EF4-FFF2-40B4-BE49-F238E27FC236}">
+                <a16:creationId xmlns:a16="http://schemas.microsoft.com/office/drawing/2014/main" id="{0E19DD99-2DEE-4D76-91B6-E675621F28E1}"/>
+              </a:ext>
+            </a:extLst>
+          </p:cNvPr>
+          <p:cNvSpPr>
+            <a:spLocks noGrp="1"/>
+          </p:cNvSpPr>
+          <p:nvPr>
+            <p:ph type="sldNum" sz="quarter" idx="12"/>
+          </p:nvPr>
+        </p:nvSpPr>
+        <p:spPr/>
+        <p:txBody>
+          <a:bodyPr/>
+          <a:lstStyle/>
+          <a:p>
+            <a:fld id="{3D1FA427-4C48-8040-8FB9-DF0FCDFDEE83}" type="slidenum">
+              <a:rPr kumimoji="1" lang="ko-KR" altLang="en-US" smtClean="0"/>
+              <a:t>10</a:t>
+            </a:fld>
+            <a:endParaRPr kumimoji="1" lang="ko-KR" altLang="en-US"/>
           </a:p>
         </p:txBody>
       </p:sp>
@@ -6709,7 +6807,75 @@
                 <a:latin typeface="Noto Sans CJK KR Regular" panose="020B0500000000000000" pitchFamily="34" charset="-127"/>
                 <a:ea typeface="Noto Sans CJK KR Regular" panose="020B0500000000000000" pitchFamily="34" charset="-127"/>
               </a:rPr>
-              <a:t>JSON(JavaScript Object Notation) </a:t>
+              <a:t>JSON(</a:t>
+            </a:r>
+            <a:r>
+              <a:rPr lang="en-US" altLang="ko-KR" b="0">
+                <a:solidFill>
+                  <a:srgbClr val="FF9E1B"/>
+                </a:solidFill>
+                <a:latin typeface="Noto Sans CJK KR Regular" panose="020B0500000000000000" pitchFamily="34" charset="-127"/>
+                <a:ea typeface="Noto Sans CJK KR Regular" panose="020B0500000000000000" pitchFamily="34" charset="-127"/>
+              </a:rPr>
+              <a:t>J</a:t>
+            </a:r>
+            <a:r>
+              <a:rPr lang="en-US" altLang="ko-KR" b="0">
+                <a:latin typeface="Noto Sans CJK KR Regular" panose="020B0500000000000000" pitchFamily="34" charset="-127"/>
+                <a:ea typeface="Noto Sans CJK KR Regular" panose="020B0500000000000000" pitchFamily="34" charset="-127"/>
+              </a:rPr>
+              <a:t>ava</a:t>
+            </a:r>
+            <a:r>
+              <a:rPr lang="en-US" altLang="ko-KR" b="0">
+                <a:solidFill>
+                  <a:srgbClr val="FF9E1B"/>
+                </a:solidFill>
+                <a:latin typeface="Noto Sans CJK KR Regular" panose="020B0500000000000000" pitchFamily="34" charset="-127"/>
+                <a:ea typeface="Noto Sans CJK KR Regular" panose="020B0500000000000000" pitchFamily="34" charset="-127"/>
+              </a:rPr>
+              <a:t>S</a:t>
+            </a:r>
+            <a:r>
+              <a:rPr lang="en-US" altLang="ko-KR" b="0">
+                <a:latin typeface="Noto Sans CJK KR Regular" panose="020B0500000000000000" pitchFamily="34" charset="-127"/>
+                <a:ea typeface="Noto Sans CJK KR Regular" panose="020B0500000000000000" pitchFamily="34" charset="-127"/>
+              </a:rPr>
+              <a:t>cript </a:t>
+            </a:r>
+            <a:r>
+              <a:rPr lang="en-US" altLang="ko-KR" b="0">
+                <a:solidFill>
+                  <a:srgbClr val="FF9E1B"/>
+                </a:solidFill>
+                <a:latin typeface="Noto Sans CJK KR Regular" panose="020B0500000000000000" pitchFamily="34" charset="-127"/>
+                <a:ea typeface="Noto Sans CJK KR Regular" panose="020B0500000000000000" pitchFamily="34" charset="-127"/>
+              </a:rPr>
+              <a:t>O</a:t>
+            </a:r>
+            <a:r>
+              <a:rPr lang="en-US" altLang="ko-KR" b="0">
+                <a:latin typeface="Noto Sans CJK KR Regular" panose="020B0500000000000000" pitchFamily="34" charset="-127"/>
+                <a:ea typeface="Noto Sans CJK KR Regular" panose="020B0500000000000000" pitchFamily="34" charset="-127"/>
+              </a:rPr>
+              <a:t>bject </a:t>
+            </a:r>
+            <a:r>
+              <a:rPr lang="en-US" altLang="ko-KR" b="0">
+                <a:solidFill>
+                  <a:srgbClr val="FF9E1B"/>
+                </a:solidFill>
+                <a:latin typeface="Noto Sans CJK KR Regular" panose="020B0500000000000000" pitchFamily="34" charset="-127"/>
+                <a:ea typeface="Noto Sans CJK KR Regular" panose="020B0500000000000000" pitchFamily="34" charset="-127"/>
+              </a:rPr>
+              <a:t>N</a:t>
+            </a:r>
+            <a:r>
+              <a:rPr lang="en-US" altLang="ko-KR" b="0">
+                <a:latin typeface="Noto Sans CJK KR Regular" panose="020B0500000000000000" pitchFamily="34" charset="-127"/>
+                <a:ea typeface="Noto Sans CJK KR Regular" panose="020B0500000000000000" pitchFamily="34" charset="-127"/>
+              </a:rPr>
+              <a:t>otation) </a:t>
             </a:r>
             <a:r>
               <a:rPr lang="ko-KR" altLang="en-US" b="0">
@@ -7286,6 +7452,133 @@
               </a:rPr>
               <a:t>}</a:t>
             </a:r>
+          </a:p>
+        </p:txBody>
+      </p:sp>
+      <p:pic>
+        <p:nvPicPr>
+          <p:cNvPr id="7" name="그림 6" descr="코딩아이콘.png">
+            <a:extLst>
+              <a:ext uri="{FF2B5EF4-FFF2-40B4-BE49-F238E27FC236}">
+                <a16:creationId xmlns:a16="http://schemas.microsoft.com/office/drawing/2014/main" id="{8B2FB811-791A-4220-8724-30CA6C0FA7A3}"/>
+              </a:ext>
+            </a:extLst>
+          </p:cNvPr>
+          <p:cNvPicPr>
+            <a:picLocks noChangeAspect="1"/>
+          </p:cNvPicPr>
+          <p:nvPr/>
+        </p:nvPicPr>
+        <p:blipFill>
+          <a:blip r:embed="rId3" cstate="print"/>
+          <a:stretch>
+            <a:fillRect/>
+          </a:stretch>
+        </p:blipFill>
+        <p:spPr>
+          <a:xfrm flipH="1">
+            <a:off x="11062105" y="692696"/>
+            <a:ext cx="504056" cy="440660"/>
+          </a:xfrm>
+          <a:prstGeom prst="rect">
+            <a:avLst/>
+          </a:prstGeom>
+        </p:spPr>
+      </p:pic>
+      <p:sp>
+        <p:nvSpPr>
+          <p:cNvPr id="8" name="TextBox 7">
+            <a:extLst>
+              <a:ext uri="{FF2B5EF4-FFF2-40B4-BE49-F238E27FC236}">
+                <a16:creationId xmlns:a16="http://schemas.microsoft.com/office/drawing/2014/main" id="{DA3FBD69-DD2F-4F69-871F-53265C5F7389}"/>
+              </a:ext>
+            </a:extLst>
+          </p:cNvPr>
+          <p:cNvSpPr txBox="1"/>
+          <p:nvPr/>
+        </p:nvSpPr>
+        <p:spPr>
+          <a:xfrm>
+            <a:off x="8685841" y="764704"/>
+            <a:ext cx="2360859" cy="369332"/>
+          </a:xfrm>
+          <a:prstGeom prst="rect">
+            <a:avLst/>
+          </a:prstGeom>
+          <a:noFill/>
+        </p:spPr>
+        <p:txBody>
+          <a:bodyPr wrap="square" rtlCol="0">
+            <a:spAutoFit/>
+          </a:bodyPr>
+          <a:lstStyle/>
+          <a:p>
+            <a:pPr algn="r"/>
+            <a:r>
+              <a:rPr lang="en-US" altLang="ko-KR">
+                <a:solidFill>
+                  <a:schemeClr val="tx1">
+                    <a:lumMod val="65000"/>
+                    <a:lumOff val="35000"/>
+                  </a:schemeClr>
+                </a:solidFill>
+                <a:latin typeface="Noto Sans CJK KR Regular" panose="020B0500000000000000" pitchFamily="34" charset="-127"/>
+                <a:ea typeface="Noto Sans CJK KR Regular" panose="020B0500000000000000" pitchFamily="34" charset="-127"/>
+              </a:rPr>
+              <a:t>ex01-06</a:t>
+            </a:r>
+            <a:r>
+              <a:rPr lang="en-US" altLang="ko-KR" dirty="0">
+                <a:solidFill>
+                  <a:schemeClr val="tx1">
+                    <a:lumMod val="65000"/>
+                    <a:lumOff val="35000"/>
+                  </a:schemeClr>
+                </a:solidFill>
+                <a:latin typeface="Noto Sans CJK KR Regular" panose="020B0500000000000000" pitchFamily="34" charset="-127"/>
+                <a:ea typeface="Noto Sans CJK KR Regular" panose="020B0500000000000000" pitchFamily="34" charset="-127"/>
+              </a:rPr>
+              <a:t>.js</a:t>
+            </a:r>
+            <a:endParaRPr lang="ko-KR" altLang="en-US" dirty="0">
+              <a:solidFill>
+                <a:schemeClr val="tx1">
+                  <a:lumMod val="65000"/>
+                  <a:lumOff val="35000"/>
+                </a:schemeClr>
+              </a:solidFill>
+              <a:latin typeface="Noto Sans CJK KR Regular" panose="020B0500000000000000" pitchFamily="34" charset="-127"/>
+              <a:ea typeface="Noto Sans CJK KR Regular" panose="020B0500000000000000" pitchFamily="34" charset="-127"/>
+            </a:endParaRPr>
+          </a:p>
+        </p:txBody>
+      </p:sp>
+      <p:sp>
+        <p:nvSpPr>
+          <p:cNvPr id="2" name="슬라이드 번호 개체 틀 1">
+            <a:extLst>
+              <a:ext uri="{FF2B5EF4-FFF2-40B4-BE49-F238E27FC236}">
+                <a16:creationId xmlns:a16="http://schemas.microsoft.com/office/drawing/2014/main" id="{A3BC23CD-7846-4D52-B088-5CE38E258A87}"/>
+              </a:ext>
+            </a:extLst>
+          </p:cNvPr>
+          <p:cNvSpPr>
+            <a:spLocks noGrp="1"/>
+          </p:cNvSpPr>
+          <p:nvPr>
+            <p:ph type="sldNum" sz="quarter" idx="12"/>
+          </p:nvPr>
+        </p:nvSpPr>
+        <p:spPr/>
+        <p:txBody>
+          <a:bodyPr/>
+          <a:lstStyle/>
+          <a:p>
+            <a:fld id="{3D1FA427-4C48-8040-8FB9-DF0FCDFDEE83}" type="slidenum">
+              <a:rPr kumimoji="1" lang="ko-KR" altLang="en-US" smtClean="0"/>
+              <a:t>11</a:t>
+            </a:fld>
+            <a:endParaRPr kumimoji="1" lang="ko-KR" altLang="en-US"/>
           </a:p>
         </p:txBody>
       </p:sp>
@@ -8028,6 +8321,35 @@
           </a:extLst>
         </p:spPr>
       </p:pic>
+      <p:sp>
+        <p:nvSpPr>
+          <p:cNvPr id="2" name="슬라이드 번호 개체 틀 1">
+            <a:extLst>
+              <a:ext uri="{FF2B5EF4-FFF2-40B4-BE49-F238E27FC236}">
+                <a16:creationId xmlns:a16="http://schemas.microsoft.com/office/drawing/2014/main" id="{91681FAC-9160-4D48-8DF7-92EED2598F83}"/>
+              </a:ext>
+            </a:extLst>
+          </p:cNvPr>
+          <p:cNvSpPr>
+            <a:spLocks noGrp="1"/>
+          </p:cNvSpPr>
+          <p:nvPr>
+            <p:ph type="sldNum" sz="quarter" idx="12"/>
+          </p:nvPr>
+        </p:nvSpPr>
+        <p:spPr/>
+        <p:txBody>
+          <a:bodyPr/>
+          <a:lstStyle/>
+          <a:p>
+            <a:fld id="{3D1FA427-4C48-8040-8FB9-DF0FCDFDEE83}" type="slidenum">
+              <a:rPr kumimoji="1" lang="ko-KR" altLang="en-US" smtClean="0"/>
+              <a:t>12</a:t>
+            </a:fld>
+            <a:endParaRPr kumimoji="1" lang="ko-KR" altLang="en-US"/>
+          </a:p>
+        </p:txBody>
+      </p:sp>
     </p:spTree>
     <p:extLst>
       <p:ext uri="{BB962C8B-B14F-4D97-AF65-F5344CB8AC3E}">
@@ -8662,6 +8984,35 @@
           </a:p>
         </p:txBody>
       </p:sp>
+      <p:sp>
+        <p:nvSpPr>
+          <p:cNvPr id="2" name="슬라이드 번호 개체 틀 1">
+            <a:extLst>
+              <a:ext uri="{FF2B5EF4-FFF2-40B4-BE49-F238E27FC236}">
+                <a16:creationId xmlns:a16="http://schemas.microsoft.com/office/drawing/2014/main" id="{12D0FA48-0C6A-4039-8A03-7427AEBD9A5B}"/>
+              </a:ext>
+            </a:extLst>
+          </p:cNvPr>
+          <p:cNvSpPr>
+            <a:spLocks noGrp="1"/>
+          </p:cNvSpPr>
+          <p:nvPr>
+            <p:ph type="sldNum" sz="quarter" idx="12"/>
+          </p:nvPr>
+        </p:nvSpPr>
+        <p:spPr/>
+        <p:txBody>
+          <a:bodyPr/>
+          <a:lstStyle/>
+          <a:p>
+            <a:fld id="{3D1FA427-4C48-8040-8FB9-DF0FCDFDEE83}" type="slidenum">
+              <a:rPr kumimoji="1" lang="ko-KR" altLang="en-US" smtClean="0"/>
+              <a:t>13</a:t>
+            </a:fld>
+            <a:endParaRPr kumimoji="1" lang="ko-KR" altLang="en-US"/>
+          </a:p>
+        </p:txBody>
+      </p:sp>
     </p:spTree>
     <p:extLst>
       <p:ext uri="{BB962C8B-B14F-4D97-AF65-F5344CB8AC3E}">
@@ -9146,6 +9497,35 @@
               </a:rPr>
               <a:t> var score = [];</a:t>
             </a:r>
+          </a:p>
+        </p:txBody>
+      </p:sp>
+      <p:sp>
+        <p:nvSpPr>
+          <p:cNvPr id="2" name="슬라이드 번호 개체 틀 1">
+            <a:extLst>
+              <a:ext uri="{FF2B5EF4-FFF2-40B4-BE49-F238E27FC236}">
+                <a16:creationId xmlns:a16="http://schemas.microsoft.com/office/drawing/2014/main" id="{62056C64-40AD-4228-8DCB-584E71EE6F93}"/>
+              </a:ext>
+            </a:extLst>
+          </p:cNvPr>
+          <p:cNvSpPr>
+            <a:spLocks noGrp="1"/>
+          </p:cNvSpPr>
+          <p:nvPr>
+            <p:ph type="sldNum" sz="quarter" idx="12"/>
+          </p:nvPr>
+        </p:nvSpPr>
+        <p:spPr/>
+        <p:txBody>
+          <a:bodyPr/>
+          <a:lstStyle/>
+          <a:p>
+            <a:fld id="{3D1FA427-4C48-8040-8FB9-DF0FCDFDEE83}" type="slidenum">
+              <a:rPr kumimoji="1" lang="ko-KR" altLang="en-US" smtClean="0"/>
+              <a:t>14</a:t>
+            </a:fld>
+            <a:endParaRPr kumimoji="1" lang="ko-KR" altLang="en-US"/>
           </a:p>
         </p:txBody>
       </p:sp>
@@ -10722,7 +11102,7 @@
         <p:spPr bwMode="auto">
           <a:xfrm>
             <a:off x="5508625" y="1700213"/>
-            <a:ext cx="1505540" cy="369332"/>
+            <a:ext cx="1707519" cy="369332"/>
           </a:xfrm>
           <a:prstGeom prst="rect">
             <a:avLst/>
@@ -10746,7 +11126,7 @@
                 <a:latin typeface="Noto Sans CJK KR Regular" panose="020B0500000000000000" pitchFamily="34" charset="-127"/>
                 <a:ea typeface="Noto Sans CJK KR Regular" panose="020B0500000000000000" pitchFamily="34" charset="-127"/>
               </a:rPr>
-              <a:t>[0]    [1]    [2]</a:t>
+              <a:t>[0]       [1]      [2]</a:t>
             </a:r>
             <a:endParaRPr lang="ko-KR" altLang="en-US">
               <a:latin typeface="Noto Sans CJK KR Regular" panose="020B0500000000000000" pitchFamily="34" charset="-127"/>
@@ -10796,7 +11176,7 @@
                 <a:latin typeface="Noto Sans CJK KR Regular" panose="020B0500000000000000" pitchFamily="34" charset="-127"/>
                 <a:ea typeface="Noto Sans CJK KR Regular" panose="020B0500000000000000" pitchFamily="34" charset="-127"/>
               </a:rPr>
-              <a:t>[0]    [1]    [2]    [3]    [4]</a:t>
+              <a:t>[0]       [1]       [2]      [3]     [4]</a:t>
             </a:r>
             <a:endParaRPr lang="ko-KR" altLang="en-US">
               <a:latin typeface="Noto Sans CJK KR Regular" panose="020B0500000000000000" pitchFamily="34" charset="-127"/>
@@ -10962,6 +11342,35 @@
           </a:p>
         </p:txBody>
       </p:sp>
+      <p:sp>
+        <p:nvSpPr>
+          <p:cNvPr id="2" name="슬라이드 번호 개체 틀 1">
+            <a:extLst>
+              <a:ext uri="{FF2B5EF4-FFF2-40B4-BE49-F238E27FC236}">
+                <a16:creationId xmlns:a16="http://schemas.microsoft.com/office/drawing/2014/main" id="{BD106793-CD57-465F-9E26-B7928E5CB397}"/>
+              </a:ext>
+            </a:extLst>
+          </p:cNvPr>
+          <p:cNvSpPr>
+            <a:spLocks noGrp="1"/>
+          </p:cNvSpPr>
+          <p:nvPr>
+            <p:ph type="sldNum" sz="quarter" idx="12"/>
+          </p:nvPr>
+        </p:nvSpPr>
+        <p:spPr/>
+        <p:txBody>
+          <a:bodyPr/>
+          <a:lstStyle/>
+          <a:p>
+            <a:fld id="{3D1FA427-4C48-8040-8FB9-DF0FCDFDEE83}" type="slidenum">
+              <a:rPr kumimoji="1" lang="ko-KR" altLang="en-US" smtClean="0"/>
+              <a:t>15</a:t>
+            </a:fld>
+            <a:endParaRPr kumimoji="1" lang="ko-KR" altLang="en-US"/>
+          </a:p>
+        </p:txBody>
+      </p:sp>
     </p:spTree>
     <p:extLst>
       <p:ext uri="{BB962C8B-B14F-4D97-AF65-F5344CB8AC3E}">
@@ -11708,6 +12117,35 @@
           </a:p>
         </p:txBody>
       </p:sp>
+      <p:sp>
+        <p:nvSpPr>
+          <p:cNvPr id="2" name="슬라이드 번호 개체 틀 1">
+            <a:extLst>
+              <a:ext uri="{FF2B5EF4-FFF2-40B4-BE49-F238E27FC236}">
+                <a16:creationId xmlns:a16="http://schemas.microsoft.com/office/drawing/2014/main" id="{AC02080F-81EB-4D86-88A6-B6871ECBC9D0}"/>
+              </a:ext>
+            </a:extLst>
+          </p:cNvPr>
+          <p:cNvSpPr>
+            <a:spLocks noGrp="1"/>
+          </p:cNvSpPr>
+          <p:nvPr>
+            <p:ph type="sldNum" sz="quarter" idx="12"/>
+          </p:nvPr>
+        </p:nvSpPr>
+        <p:spPr/>
+        <p:txBody>
+          <a:bodyPr/>
+          <a:lstStyle/>
+          <a:p>
+            <a:fld id="{3D1FA427-4C48-8040-8FB9-DF0FCDFDEE83}" type="slidenum">
+              <a:rPr kumimoji="1" lang="ko-KR" altLang="en-US" smtClean="0"/>
+              <a:t>16</a:t>
+            </a:fld>
+            <a:endParaRPr kumimoji="1" lang="ko-KR" altLang="en-US"/>
+          </a:p>
+        </p:txBody>
+      </p:sp>
     </p:spTree>
     <p:extLst>
       <p:ext uri="{BB962C8B-B14F-4D97-AF65-F5344CB8AC3E}">
@@ -12598,6 +13036,35 @@
           </a:p>
         </p:txBody>
       </p:sp>
+      <p:sp>
+        <p:nvSpPr>
+          <p:cNvPr id="2" name="슬라이드 번호 개체 틀 1">
+            <a:extLst>
+              <a:ext uri="{FF2B5EF4-FFF2-40B4-BE49-F238E27FC236}">
+                <a16:creationId xmlns:a16="http://schemas.microsoft.com/office/drawing/2014/main" id="{96D097E1-A691-4ACF-9B8D-88AF660FB6D2}"/>
+              </a:ext>
+            </a:extLst>
+          </p:cNvPr>
+          <p:cNvSpPr>
+            <a:spLocks noGrp="1"/>
+          </p:cNvSpPr>
+          <p:nvPr>
+            <p:ph type="sldNum" sz="quarter" idx="12"/>
+          </p:nvPr>
+        </p:nvSpPr>
+        <p:spPr/>
+        <p:txBody>
+          <a:bodyPr/>
+          <a:lstStyle/>
+          <a:p>
+            <a:fld id="{3D1FA427-4C48-8040-8FB9-DF0FCDFDEE83}" type="slidenum">
+              <a:rPr kumimoji="1" lang="ko-KR" altLang="en-US" smtClean="0"/>
+              <a:t>17</a:t>
+            </a:fld>
+            <a:endParaRPr kumimoji="1" lang="ko-KR" altLang="en-US"/>
+          </a:p>
+        </p:txBody>
+      </p:sp>
     </p:spTree>
     <p:extLst>
       <p:ext uri="{BB962C8B-B14F-4D97-AF65-F5344CB8AC3E}">
@@ -13121,6 +13588,35 @@
           </a:p>
         </p:txBody>
       </p:sp>
+      <p:sp>
+        <p:nvSpPr>
+          <p:cNvPr id="2" name="슬라이드 번호 개체 틀 1">
+            <a:extLst>
+              <a:ext uri="{FF2B5EF4-FFF2-40B4-BE49-F238E27FC236}">
+                <a16:creationId xmlns:a16="http://schemas.microsoft.com/office/drawing/2014/main" id="{C231147E-A707-4B0E-A782-77D2A725B7AB}"/>
+              </a:ext>
+            </a:extLst>
+          </p:cNvPr>
+          <p:cNvSpPr>
+            <a:spLocks noGrp="1"/>
+          </p:cNvSpPr>
+          <p:nvPr>
+            <p:ph type="sldNum" sz="quarter" idx="12"/>
+          </p:nvPr>
+        </p:nvSpPr>
+        <p:spPr/>
+        <p:txBody>
+          <a:bodyPr/>
+          <a:lstStyle/>
+          <a:p>
+            <a:fld id="{3D1FA427-4C48-8040-8FB9-DF0FCDFDEE83}" type="slidenum">
+              <a:rPr kumimoji="1" lang="ko-KR" altLang="en-US" smtClean="0"/>
+              <a:t>18</a:t>
+            </a:fld>
+            <a:endParaRPr kumimoji="1" lang="ko-KR" altLang="en-US"/>
+          </a:p>
+        </p:txBody>
+      </p:sp>
     </p:spTree>
     <p:extLst>
       <p:ext uri="{BB962C8B-B14F-4D97-AF65-F5344CB8AC3E}">
@@ -14139,7 +14635,7 @@
         </p:nvSpPr>
         <p:spPr>
           <a:xfrm>
-            <a:off x="4750852" y="2247014"/>
+            <a:off x="5395720" y="2397241"/>
             <a:ext cx="1213537" cy="338554"/>
           </a:xfrm>
           <a:prstGeom prst="rect">
@@ -14181,6 +14677,94 @@
               <a:latin typeface="Noto Sans CJK KR Regular" panose="020B0500000000000000" pitchFamily="34" charset="-127"/>
               <a:ea typeface="Noto Sans CJK KR Regular" panose="020B0500000000000000" pitchFamily="34" charset="-127"/>
             </a:endParaRPr>
+          </a:p>
+        </p:txBody>
+      </p:sp>
+      <p:sp>
+        <p:nvSpPr>
+          <p:cNvPr id="7" name="TextBox 6">
+            <a:extLst>
+              <a:ext uri="{FF2B5EF4-FFF2-40B4-BE49-F238E27FC236}">
+                <a16:creationId xmlns:a16="http://schemas.microsoft.com/office/drawing/2014/main" id="{205FEE4C-509D-43CF-8155-A539EB194638}"/>
+              </a:ext>
+            </a:extLst>
+          </p:cNvPr>
+          <p:cNvSpPr txBox="1"/>
+          <p:nvPr/>
+        </p:nvSpPr>
+        <p:spPr>
+          <a:xfrm>
+            <a:off x="5395720" y="2684257"/>
+            <a:ext cx="1213537" cy="338554"/>
+          </a:xfrm>
+          <a:prstGeom prst="rect">
+            <a:avLst/>
+          </a:prstGeom>
+          <a:noFill/>
+        </p:spPr>
+        <p:txBody>
+          <a:bodyPr wrap="none" rtlCol="0">
+            <a:spAutoFit/>
+          </a:bodyPr>
+          <a:lstStyle/>
+          <a:p>
+            <a:r>
+              <a:rPr lang="en-US" altLang="ko-KR" sz="1600">
+                <a:latin typeface="Noto Sans CJK KR Regular" panose="020B0500000000000000" pitchFamily="34" charset="-127"/>
+                <a:ea typeface="Noto Sans CJK KR Regular" panose="020B0500000000000000" pitchFamily="34" charset="-127"/>
+              </a:rPr>
+              <a:t>(</a:t>
+            </a:r>
+            <a:r>
+              <a:rPr lang="en-US" altLang="ko-KR" sz="1600" b="1">
+                <a:solidFill>
+                  <a:srgbClr val="FF9E1B"/>
+                </a:solidFill>
+                <a:latin typeface="Noto Sans CJK KR Regular" panose="020B0500000000000000" pitchFamily="34" charset="-127"/>
+                <a:ea typeface="Noto Sans CJK KR Regular" panose="020B0500000000000000" pitchFamily="34" charset="-127"/>
+              </a:rPr>
+              <a:t>window</a:t>
+            </a:r>
+            <a:r>
+              <a:rPr lang="en-US" altLang="ko-KR" sz="1600">
+                <a:latin typeface="Noto Sans CJK KR Regular" panose="020B0500000000000000" pitchFamily="34" charset="-127"/>
+                <a:ea typeface="Noto Sans CJK KR Regular" panose="020B0500000000000000" pitchFamily="34" charset="-127"/>
+              </a:rPr>
+              <a:t>.)</a:t>
+            </a:r>
+            <a:endParaRPr lang="ko-KR" altLang="en-US" sz="1600" dirty="0">
+              <a:latin typeface="Noto Sans CJK KR Regular" panose="020B0500000000000000" pitchFamily="34" charset="-127"/>
+              <a:ea typeface="Noto Sans CJK KR Regular" panose="020B0500000000000000" pitchFamily="34" charset="-127"/>
+            </a:endParaRPr>
+          </a:p>
+        </p:txBody>
+      </p:sp>
+      <p:sp>
+        <p:nvSpPr>
+          <p:cNvPr id="2" name="슬라이드 번호 개체 틀 1">
+            <a:extLst>
+              <a:ext uri="{FF2B5EF4-FFF2-40B4-BE49-F238E27FC236}">
+                <a16:creationId xmlns:a16="http://schemas.microsoft.com/office/drawing/2014/main" id="{8CDCB299-7E80-492A-A55F-7BB27F40D4CA}"/>
+              </a:ext>
+            </a:extLst>
+          </p:cNvPr>
+          <p:cNvSpPr>
+            <a:spLocks noGrp="1"/>
+          </p:cNvSpPr>
+          <p:nvPr>
+            <p:ph type="sldNum" sz="quarter" idx="12"/>
+          </p:nvPr>
+        </p:nvSpPr>
+        <p:spPr/>
+        <p:txBody>
+          <a:bodyPr/>
+          <a:lstStyle/>
+          <a:p>
+            <a:fld id="{3D1FA427-4C48-8040-8FB9-DF0FCDFDEE83}" type="slidenum">
+              <a:rPr kumimoji="1" lang="ko-KR" altLang="en-US" smtClean="0"/>
+              <a:t>19</a:t>
+            </a:fld>
+            <a:endParaRPr kumimoji="1" lang="ko-KR" altLang="en-US"/>
           </a:p>
         </p:txBody>
       </p:sp>
@@ -14247,6 +14831,51 @@
                       </p:childTnLst>
                     </p:cTn>
                   </p:par>
+                  <p:par>
+                    <p:cTn id="7" fill="hold">
+                      <p:stCondLst>
+                        <p:cond delay="indefinite"/>
+                      </p:stCondLst>
+                      <p:childTnLst>
+                        <p:par>
+                          <p:cTn id="8" fill="hold">
+                            <p:stCondLst>
+                              <p:cond delay="0"/>
+                            </p:stCondLst>
+                            <p:childTnLst>
+                              <p:par>
+                                <p:cTn id="9" presetID="1" presetClass="entr" presetSubtype="0" fill="hold" grpId="0" nodeType="clickEffect">
+                                  <p:stCondLst>
+                                    <p:cond delay="0"/>
+                                  </p:stCondLst>
+                                  <p:childTnLst>
+                                    <p:set>
+                                      <p:cBhvr>
+                                        <p:cTn id="10" dur="1" fill="hold">
+                                          <p:stCondLst>
+                                            <p:cond delay="0"/>
+                                          </p:stCondLst>
+                                        </p:cTn>
+                                        <p:tgtEl>
+                                          <p:spTgt spid="7"/>
+                                        </p:tgtEl>
+                                        <p:attrNameLst>
+                                          <p:attrName>style.visibility</p:attrName>
+                                        </p:attrNameLst>
+                                      </p:cBhvr>
+                                      <p:to>
+                                        <p:strVal val="visible"/>
+                                      </p:to>
+                                    </p:set>
+                                  </p:childTnLst>
+                                </p:cTn>
+                              </p:par>
+                            </p:childTnLst>
+                          </p:cTn>
+                        </p:par>
+                      </p:childTnLst>
+                    </p:cTn>
+                  </p:par>
                 </p:childTnLst>
               </p:cTn>
               <p:prevCondLst>
@@ -14270,6 +14899,7 @@
     </p:tnLst>
     <p:bldLst>
       <p:bldP spid="6" grpId="0"/>
+      <p:bldP spid="7" grpId="0"/>
     </p:bldLst>
   </p:timing>
 </p:sld>
@@ -14725,6 +15355,35 @@
           </a:prstGeom>
         </p:spPr>
       </p:pic>
+      <p:sp>
+        <p:nvSpPr>
+          <p:cNvPr id="3" name="슬라이드 번호 개체 틀 2">
+            <a:extLst>
+              <a:ext uri="{FF2B5EF4-FFF2-40B4-BE49-F238E27FC236}">
+                <a16:creationId xmlns:a16="http://schemas.microsoft.com/office/drawing/2014/main" id="{6F348DE6-49B4-4FF3-976C-F97C98653BC4}"/>
+              </a:ext>
+            </a:extLst>
+          </p:cNvPr>
+          <p:cNvSpPr>
+            <a:spLocks noGrp="1"/>
+          </p:cNvSpPr>
+          <p:nvPr>
+            <p:ph type="sldNum" sz="quarter" idx="12"/>
+          </p:nvPr>
+        </p:nvSpPr>
+        <p:spPr/>
+        <p:txBody>
+          <a:bodyPr/>
+          <a:lstStyle/>
+          <a:p>
+            <a:fld id="{3D1FA427-4C48-8040-8FB9-DF0FCDFDEE83}" type="slidenum">
+              <a:rPr kumimoji="1" lang="ko-KR" altLang="en-US" smtClean="0"/>
+              <a:t>2</a:t>
+            </a:fld>
+            <a:endParaRPr kumimoji="1" lang="ko-KR" altLang="en-US"/>
+          </a:p>
+        </p:txBody>
+      </p:sp>
     </p:spTree>
     <p:extLst>
       <p:ext uri="{BB962C8B-B14F-4D97-AF65-F5344CB8AC3E}">
@@ -15523,6 +16182,35 @@
           </a:p>
         </p:txBody>
       </p:sp>
+      <p:sp>
+        <p:nvSpPr>
+          <p:cNvPr id="2" name="슬라이드 번호 개체 틀 1">
+            <a:extLst>
+              <a:ext uri="{FF2B5EF4-FFF2-40B4-BE49-F238E27FC236}">
+                <a16:creationId xmlns:a16="http://schemas.microsoft.com/office/drawing/2014/main" id="{F5950B1A-E622-44FB-9BF0-1EC13B8B230B}"/>
+              </a:ext>
+            </a:extLst>
+          </p:cNvPr>
+          <p:cNvSpPr>
+            <a:spLocks noGrp="1"/>
+          </p:cNvSpPr>
+          <p:nvPr>
+            <p:ph type="sldNum" sz="quarter" idx="12"/>
+          </p:nvPr>
+        </p:nvSpPr>
+        <p:spPr/>
+        <p:txBody>
+          <a:bodyPr/>
+          <a:lstStyle/>
+          <a:p>
+            <a:fld id="{3D1FA427-4C48-8040-8FB9-DF0FCDFDEE83}" type="slidenum">
+              <a:rPr kumimoji="1" lang="ko-KR" altLang="en-US" smtClean="0"/>
+              <a:t>20</a:t>
+            </a:fld>
+            <a:endParaRPr kumimoji="1" lang="ko-KR" altLang="en-US"/>
+          </a:p>
+        </p:txBody>
+      </p:sp>
     </p:spTree>
     <p:extLst>
       <p:ext uri="{BB962C8B-B14F-4D97-AF65-F5344CB8AC3E}">
@@ -16149,6 +16837,35 @@
               <a:latin typeface="Noto Sans CJK KR Regular" panose="020B0500000000000000" pitchFamily="34" charset="-127"/>
               <a:ea typeface="Noto Sans CJK KR Regular" panose="020B0500000000000000" pitchFamily="34" charset="-127"/>
             </a:endParaRPr>
+          </a:p>
+        </p:txBody>
+      </p:sp>
+      <p:sp>
+        <p:nvSpPr>
+          <p:cNvPr id="2" name="슬라이드 번호 개체 틀 1">
+            <a:extLst>
+              <a:ext uri="{FF2B5EF4-FFF2-40B4-BE49-F238E27FC236}">
+                <a16:creationId xmlns:a16="http://schemas.microsoft.com/office/drawing/2014/main" id="{71D6D0CA-9035-4199-8D7D-CEA98D05A681}"/>
+              </a:ext>
+            </a:extLst>
+          </p:cNvPr>
+          <p:cNvSpPr>
+            <a:spLocks noGrp="1"/>
+          </p:cNvSpPr>
+          <p:nvPr>
+            <p:ph type="sldNum" sz="quarter" idx="12"/>
+          </p:nvPr>
+        </p:nvSpPr>
+        <p:spPr/>
+        <p:txBody>
+          <a:bodyPr/>
+          <a:lstStyle/>
+          <a:p>
+            <a:fld id="{3D1FA427-4C48-8040-8FB9-DF0FCDFDEE83}" type="slidenum">
+              <a:rPr kumimoji="1" lang="ko-KR" altLang="en-US" smtClean="0"/>
+              <a:t>21</a:t>
+            </a:fld>
+            <a:endParaRPr kumimoji="1" lang="ko-KR" altLang="en-US"/>
           </a:p>
         </p:txBody>
       </p:sp>
@@ -17510,6 +18227,35 @@
           </a:p>
         </p:txBody>
       </p:sp>
+      <p:sp>
+        <p:nvSpPr>
+          <p:cNvPr id="2" name="슬라이드 번호 개체 틀 1">
+            <a:extLst>
+              <a:ext uri="{FF2B5EF4-FFF2-40B4-BE49-F238E27FC236}">
+                <a16:creationId xmlns:a16="http://schemas.microsoft.com/office/drawing/2014/main" id="{C732B61D-0D36-47CC-A597-6FDA0E1F6A00}"/>
+              </a:ext>
+            </a:extLst>
+          </p:cNvPr>
+          <p:cNvSpPr>
+            <a:spLocks noGrp="1"/>
+          </p:cNvSpPr>
+          <p:nvPr>
+            <p:ph type="sldNum" sz="quarter" idx="12"/>
+          </p:nvPr>
+        </p:nvSpPr>
+        <p:spPr/>
+        <p:txBody>
+          <a:bodyPr/>
+          <a:lstStyle/>
+          <a:p>
+            <a:fld id="{3D1FA427-4C48-8040-8FB9-DF0FCDFDEE83}" type="slidenum">
+              <a:rPr kumimoji="1" lang="ko-KR" altLang="en-US" smtClean="0"/>
+              <a:t>22</a:t>
+            </a:fld>
+            <a:endParaRPr kumimoji="1" lang="ko-KR" altLang="en-US"/>
+          </a:p>
+        </p:txBody>
+      </p:sp>
     </p:spTree>
     <p:extLst>
       <p:ext uri="{BB962C8B-B14F-4D97-AF65-F5344CB8AC3E}">
@@ -18434,6 +19180,35 @@
           </a:p>
         </p:txBody>
       </p:sp>
+      <p:sp>
+        <p:nvSpPr>
+          <p:cNvPr id="2" name="슬라이드 번호 개체 틀 1">
+            <a:extLst>
+              <a:ext uri="{FF2B5EF4-FFF2-40B4-BE49-F238E27FC236}">
+                <a16:creationId xmlns:a16="http://schemas.microsoft.com/office/drawing/2014/main" id="{E6554B98-7EE3-4AB9-908B-D159F14E74DF}"/>
+              </a:ext>
+            </a:extLst>
+          </p:cNvPr>
+          <p:cNvSpPr>
+            <a:spLocks noGrp="1"/>
+          </p:cNvSpPr>
+          <p:nvPr>
+            <p:ph type="sldNum" sz="quarter" idx="12"/>
+          </p:nvPr>
+        </p:nvSpPr>
+        <p:spPr/>
+        <p:txBody>
+          <a:bodyPr/>
+          <a:lstStyle/>
+          <a:p>
+            <a:fld id="{3D1FA427-4C48-8040-8FB9-DF0FCDFDEE83}" type="slidenum">
+              <a:rPr kumimoji="1" lang="ko-KR" altLang="en-US" smtClean="0"/>
+              <a:t>23</a:t>
+            </a:fld>
+            <a:endParaRPr kumimoji="1" lang="ko-KR" altLang="en-US"/>
+          </a:p>
+        </p:txBody>
+      </p:sp>
     </p:spTree>
     <p:extLst>
       <p:ext uri="{BB962C8B-B14F-4D97-AF65-F5344CB8AC3E}">
@@ -19143,6 +19918,35 @@
           </a:p>
         </p:txBody>
       </p:sp>
+      <p:sp>
+        <p:nvSpPr>
+          <p:cNvPr id="2" name="슬라이드 번호 개체 틀 1">
+            <a:extLst>
+              <a:ext uri="{FF2B5EF4-FFF2-40B4-BE49-F238E27FC236}">
+                <a16:creationId xmlns:a16="http://schemas.microsoft.com/office/drawing/2014/main" id="{18518152-ECB7-4A97-B1B5-2D4A9A215981}"/>
+              </a:ext>
+            </a:extLst>
+          </p:cNvPr>
+          <p:cNvSpPr>
+            <a:spLocks noGrp="1"/>
+          </p:cNvSpPr>
+          <p:nvPr>
+            <p:ph type="sldNum" sz="quarter" idx="12"/>
+          </p:nvPr>
+        </p:nvSpPr>
+        <p:spPr/>
+        <p:txBody>
+          <a:bodyPr/>
+          <a:lstStyle/>
+          <a:p>
+            <a:fld id="{3D1FA427-4C48-8040-8FB9-DF0FCDFDEE83}" type="slidenum">
+              <a:rPr kumimoji="1" lang="ko-KR" altLang="en-US" smtClean="0"/>
+              <a:t>24</a:t>
+            </a:fld>
+            <a:endParaRPr kumimoji="1" lang="ko-KR" altLang="en-US"/>
+          </a:p>
+        </p:txBody>
+      </p:sp>
     </p:spTree>
     <p:extLst>
       <p:ext uri="{BB962C8B-B14F-4D97-AF65-F5344CB8AC3E}">
@@ -20037,6 +20841,35 @@
           </a:p>
         </p:txBody>
       </p:sp>
+      <p:sp>
+        <p:nvSpPr>
+          <p:cNvPr id="2" name="슬라이드 번호 개체 틀 1">
+            <a:extLst>
+              <a:ext uri="{FF2B5EF4-FFF2-40B4-BE49-F238E27FC236}">
+                <a16:creationId xmlns:a16="http://schemas.microsoft.com/office/drawing/2014/main" id="{0A7DDDBD-9F22-4BA2-82E8-ACF47D9BA5D0}"/>
+              </a:ext>
+            </a:extLst>
+          </p:cNvPr>
+          <p:cNvSpPr>
+            <a:spLocks noGrp="1"/>
+          </p:cNvSpPr>
+          <p:nvPr>
+            <p:ph type="sldNum" sz="quarter" idx="12"/>
+          </p:nvPr>
+        </p:nvSpPr>
+        <p:spPr/>
+        <p:txBody>
+          <a:bodyPr/>
+          <a:lstStyle/>
+          <a:p>
+            <a:fld id="{3D1FA427-4C48-8040-8FB9-DF0FCDFDEE83}" type="slidenum">
+              <a:rPr kumimoji="1" lang="ko-KR" altLang="en-US" smtClean="0"/>
+              <a:t>25</a:t>
+            </a:fld>
+            <a:endParaRPr kumimoji="1" lang="ko-KR" altLang="en-US"/>
+          </a:p>
+        </p:txBody>
+      </p:sp>
     </p:spTree>
     <p:extLst>
       <p:ext uri="{BB962C8B-B14F-4D97-AF65-F5344CB8AC3E}">
@@ -21739,6 +22572,35 @@
           </a:p>
         </p:txBody>
       </p:sp>
+      <p:sp>
+        <p:nvSpPr>
+          <p:cNvPr id="2" name="슬라이드 번호 개체 틀 1">
+            <a:extLst>
+              <a:ext uri="{FF2B5EF4-FFF2-40B4-BE49-F238E27FC236}">
+                <a16:creationId xmlns:a16="http://schemas.microsoft.com/office/drawing/2014/main" id="{C903C940-4878-447B-88DC-FCEAD9FA9392}"/>
+              </a:ext>
+            </a:extLst>
+          </p:cNvPr>
+          <p:cNvSpPr>
+            <a:spLocks noGrp="1"/>
+          </p:cNvSpPr>
+          <p:nvPr>
+            <p:ph type="sldNum" sz="quarter" idx="12"/>
+          </p:nvPr>
+        </p:nvSpPr>
+        <p:spPr/>
+        <p:txBody>
+          <a:bodyPr/>
+          <a:lstStyle/>
+          <a:p>
+            <a:fld id="{3D1FA427-4C48-8040-8FB9-DF0FCDFDEE83}" type="slidenum">
+              <a:rPr kumimoji="1" lang="ko-KR" altLang="en-US" smtClean="0"/>
+              <a:t>3</a:t>
+            </a:fld>
+            <a:endParaRPr kumimoji="1" lang="ko-KR" altLang="en-US"/>
+          </a:p>
+        </p:txBody>
+      </p:sp>
     </p:spTree>
     <p:extLst>
       <p:ext uri="{BB962C8B-B14F-4D97-AF65-F5344CB8AC3E}">
@@ -22369,6 +23231,35 @@
           </a:p>
         </p:txBody>
       </p:sp>
+      <p:sp>
+        <p:nvSpPr>
+          <p:cNvPr id="2" name="슬라이드 번호 개체 틀 1">
+            <a:extLst>
+              <a:ext uri="{FF2B5EF4-FFF2-40B4-BE49-F238E27FC236}">
+                <a16:creationId xmlns:a16="http://schemas.microsoft.com/office/drawing/2014/main" id="{0444DF98-9344-426E-9DEE-A545B1A5766A}"/>
+              </a:ext>
+            </a:extLst>
+          </p:cNvPr>
+          <p:cNvSpPr>
+            <a:spLocks noGrp="1"/>
+          </p:cNvSpPr>
+          <p:nvPr>
+            <p:ph type="sldNum" sz="quarter" idx="12"/>
+          </p:nvPr>
+        </p:nvSpPr>
+        <p:spPr/>
+        <p:txBody>
+          <a:bodyPr/>
+          <a:lstStyle/>
+          <a:p>
+            <a:fld id="{3D1FA427-4C48-8040-8FB9-DF0FCDFDEE83}" type="slidenum">
+              <a:rPr kumimoji="1" lang="ko-KR" altLang="en-US" smtClean="0"/>
+              <a:t>4</a:t>
+            </a:fld>
+            <a:endParaRPr kumimoji="1" lang="ko-KR" altLang="en-US"/>
+          </a:p>
+        </p:txBody>
+      </p:sp>
     </p:spTree>
     <p:extLst>
       <p:ext uri="{BB962C8B-B14F-4D97-AF65-F5344CB8AC3E}">
@@ -22969,6 +23860,35 @@
           </a:p>
         </p:txBody>
       </p:sp>
+      <p:sp>
+        <p:nvSpPr>
+          <p:cNvPr id="2" name="슬라이드 번호 개체 틀 1">
+            <a:extLst>
+              <a:ext uri="{FF2B5EF4-FFF2-40B4-BE49-F238E27FC236}">
+                <a16:creationId xmlns:a16="http://schemas.microsoft.com/office/drawing/2014/main" id="{420645B3-9A8C-4F13-A140-C81EC3350669}"/>
+              </a:ext>
+            </a:extLst>
+          </p:cNvPr>
+          <p:cNvSpPr>
+            <a:spLocks noGrp="1"/>
+          </p:cNvSpPr>
+          <p:nvPr>
+            <p:ph type="sldNum" sz="quarter" idx="12"/>
+          </p:nvPr>
+        </p:nvSpPr>
+        <p:spPr/>
+        <p:txBody>
+          <a:bodyPr/>
+          <a:lstStyle/>
+          <a:p>
+            <a:fld id="{3D1FA427-4C48-8040-8FB9-DF0FCDFDEE83}" type="slidenum">
+              <a:rPr kumimoji="1" lang="ko-KR" altLang="en-US" smtClean="0"/>
+              <a:t>5</a:t>
+            </a:fld>
+            <a:endParaRPr kumimoji="1" lang="ko-KR" altLang="en-US"/>
+          </a:p>
+        </p:txBody>
+      </p:sp>
     </p:spTree>
     <p:extLst>
       <p:ext uri="{BB962C8B-B14F-4D97-AF65-F5344CB8AC3E}">
@@ -23805,6 +24725,35 @@
           </a:p>
         </p:txBody>
       </p:sp>
+      <p:sp>
+        <p:nvSpPr>
+          <p:cNvPr id="2" name="슬라이드 번호 개체 틀 1">
+            <a:extLst>
+              <a:ext uri="{FF2B5EF4-FFF2-40B4-BE49-F238E27FC236}">
+                <a16:creationId xmlns:a16="http://schemas.microsoft.com/office/drawing/2014/main" id="{70D7951C-E7A5-4F38-A53B-00E4DA2F752B}"/>
+              </a:ext>
+            </a:extLst>
+          </p:cNvPr>
+          <p:cNvSpPr>
+            <a:spLocks noGrp="1"/>
+          </p:cNvSpPr>
+          <p:nvPr>
+            <p:ph type="sldNum" sz="quarter" idx="12"/>
+          </p:nvPr>
+        </p:nvSpPr>
+        <p:spPr/>
+        <p:txBody>
+          <a:bodyPr/>
+          <a:lstStyle/>
+          <a:p>
+            <a:fld id="{3D1FA427-4C48-8040-8FB9-DF0FCDFDEE83}" type="slidenum">
+              <a:rPr kumimoji="1" lang="ko-KR" altLang="en-US" smtClean="0"/>
+              <a:t>6</a:t>
+            </a:fld>
+            <a:endParaRPr kumimoji="1" lang="ko-KR" altLang="en-US"/>
+          </a:p>
+        </p:txBody>
+      </p:sp>
     </p:spTree>
     <p:extLst>
       <p:ext uri="{BB962C8B-B14F-4D97-AF65-F5344CB8AC3E}">
@@ -24329,6 +25278,35 @@
           </a:p>
         </p:txBody>
       </p:sp>
+      <p:sp>
+        <p:nvSpPr>
+          <p:cNvPr id="2" name="슬라이드 번호 개체 틀 1">
+            <a:extLst>
+              <a:ext uri="{FF2B5EF4-FFF2-40B4-BE49-F238E27FC236}">
+                <a16:creationId xmlns:a16="http://schemas.microsoft.com/office/drawing/2014/main" id="{107B6020-1C4D-49BB-90B8-85C2D6EBAD96}"/>
+              </a:ext>
+            </a:extLst>
+          </p:cNvPr>
+          <p:cNvSpPr>
+            <a:spLocks noGrp="1"/>
+          </p:cNvSpPr>
+          <p:nvPr>
+            <p:ph type="sldNum" sz="quarter" idx="12"/>
+          </p:nvPr>
+        </p:nvSpPr>
+        <p:spPr/>
+        <p:txBody>
+          <a:bodyPr/>
+          <a:lstStyle/>
+          <a:p>
+            <a:fld id="{3D1FA427-4C48-8040-8FB9-DF0FCDFDEE83}" type="slidenum">
+              <a:rPr kumimoji="1" lang="ko-KR" altLang="en-US" smtClean="0"/>
+              <a:t>7</a:t>
+            </a:fld>
+            <a:endParaRPr kumimoji="1" lang="ko-KR" altLang="en-US"/>
+          </a:p>
+        </p:txBody>
+      </p:sp>
     </p:spTree>
     <p:extLst>
       <p:ext uri="{BB962C8B-B14F-4D97-AF65-F5344CB8AC3E}">
@@ -24980,6 +25958,35 @@
           </a:p>
         </p:txBody>
       </p:sp>
+      <p:sp>
+        <p:nvSpPr>
+          <p:cNvPr id="2" name="슬라이드 번호 개체 틀 1">
+            <a:extLst>
+              <a:ext uri="{FF2B5EF4-FFF2-40B4-BE49-F238E27FC236}">
+                <a16:creationId xmlns:a16="http://schemas.microsoft.com/office/drawing/2014/main" id="{F103E474-C54F-4249-90CB-8B1C32F2F991}"/>
+              </a:ext>
+            </a:extLst>
+          </p:cNvPr>
+          <p:cNvSpPr>
+            <a:spLocks noGrp="1"/>
+          </p:cNvSpPr>
+          <p:nvPr>
+            <p:ph type="sldNum" sz="quarter" idx="12"/>
+          </p:nvPr>
+        </p:nvSpPr>
+        <p:spPr/>
+        <p:txBody>
+          <a:bodyPr/>
+          <a:lstStyle/>
+          <a:p>
+            <a:fld id="{3D1FA427-4C48-8040-8FB9-DF0FCDFDEE83}" type="slidenum">
+              <a:rPr kumimoji="1" lang="ko-KR" altLang="en-US" smtClean="0"/>
+              <a:t>8</a:t>
+            </a:fld>
+            <a:endParaRPr kumimoji="1" lang="ko-KR" altLang="en-US"/>
+          </a:p>
+        </p:txBody>
+      </p:sp>
     </p:spTree>
     <p:extLst>
       <p:ext uri="{BB962C8B-B14F-4D97-AF65-F5344CB8AC3E}">
@@ -25600,104 +26607,6 @@
           </a:p>
         </p:txBody>
       </p:sp>
-      <p:pic>
-        <p:nvPicPr>
-          <p:cNvPr id="13" name="그림 12" descr="코딩아이콘.png">
-            <a:extLst>
-              <a:ext uri="{FF2B5EF4-FFF2-40B4-BE49-F238E27FC236}">
-                <a16:creationId xmlns:a16="http://schemas.microsoft.com/office/drawing/2014/main" id="{D7A7F68F-7BD2-4329-859C-535CDC459A0A}"/>
-              </a:ext>
-            </a:extLst>
-          </p:cNvPr>
-          <p:cNvPicPr>
-            <a:picLocks noChangeAspect="1"/>
-          </p:cNvPicPr>
-          <p:nvPr/>
-        </p:nvPicPr>
-        <p:blipFill>
-          <a:blip r:embed="rId3" cstate="print"/>
-          <a:stretch>
-            <a:fillRect/>
-          </a:stretch>
-        </p:blipFill>
-        <p:spPr>
-          <a:xfrm flipH="1">
-            <a:off x="11062105" y="692696"/>
-            <a:ext cx="504056" cy="440660"/>
-          </a:xfrm>
-          <a:prstGeom prst="rect">
-            <a:avLst/>
-          </a:prstGeom>
-        </p:spPr>
-      </p:pic>
-      <p:sp>
-        <p:nvSpPr>
-          <p:cNvPr id="14" name="TextBox 13">
-            <a:extLst>
-              <a:ext uri="{FF2B5EF4-FFF2-40B4-BE49-F238E27FC236}">
-                <a16:creationId xmlns:a16="http://schemas.microsoft.com/office/drawing/2014/main" id="{37376AF5-E885-40E2-AB40-62B82DB05B6F}"/>
-              </a:ext>
-            </a:extLst>
-          </p:cNvPr>
-          <p:cNvSpPr txBox="1"/>
-          <p:nvPr/>
-        </p:nvSpPr>
-        <p:spPr>
-          <a:xfrm>
-            <a:off x="8685841" y="764704"/>
-            <a:ext cx="2360859" cy="369332"/>
-          </a:xfrm>
-          <a:prstGeom prst="rect">
-            <a:avLst/>
-          </a:prstGeom>
-          <a:noFill/>
-        </p:spPr>
-        <p:txBody>
-          <a:bodyPr wrap="square" rtlCol="0">
-            <a:spAutoFit/>
-          </a:bodyPr>
-          <a:lstStyle/>
-          <a:p>
-            <a:pPr algn="r"/>
-            <a:r>
-              <a:rPr lang="en-US" altLang="ko-KR">
-                <a:solidFill>
-                  <a:schemeClr val="tx1">
-                    <a:lumMod val="65000"/>
-                    <a:lumOff val="35000"/>
-                  </a:schemeClr>
-                </a:solidFill>
-                <a:latin typeface="Noto Sans CJK KR Regular" panose="020B0500000000000000" pitchFamily="34" charset="-127"/>
-                <a:ea typeface="Noto Sans CJK KR Regular" panose="020B0500000000000000" pitchFamily="34" charset="-127"/>
-              </a:rPr>
-              <a:t>ex01-05.</a:t>
-            </a:r>
-            <a:r>
-              <a:rPr lang="en-US" altLang="ko-KR" dirty="0">
-                <a:solidFill>
-                  <a:schemeClr val="tx1">
-                    <a:lumMod val="65000"/>
-                    <a:lumOff val="35000"/>
-                  </a:schemeClr>
-                </a:solidFill>
-                <a:latin typeface="Noto Sans CJK KR Regular" panose="020B0500000000000000" pitchFamily="34" charset="-127"/>
-                <a:ea typeface="Noto Sans CJK KR Regular" panose="020B0500000000000000" pitchFamily="34" charset="-127"/>
-              </a:rPr>
-              <a:t>js</a:t>
-            </a:r>
-            <a:endParaRPr lang="ko-KR" altLang="en-US" dirty="0">
-              <a:solidFill>
-                <a:schemeClr val="tx1">
-                  <a:lumMod val="65000"/>
-                  <a:lumOff val="35000"/>
-                </a:schemeClr>
-              </a:solidFill>
-              <a:latin typeface="Noto Sans CJK KR Regular" panose="020B0500000000000000" pitchFamily="34" charset="-127"/>
-              <a:ea typeface="Noto Sans CJK KR Regular" panose="020B0500000000000000" pitchFamily="34" charset="-127"/>
-            </a:endParaRPr>
-          </a:p>
-        </p:txBody>
-      </p:sp>
       <p:sp>
         <p:nvSpPr>
           <p:cNvPr id="15" name="TextBox 14">
@@ -25812,6 +26721,35 @@
               </a:rPr>
               <a:t>};</a:t>
             </a:r>
+          </a:p>
+        </p:txBody>
+      </p:sp>
+      <p:sp>
+        <p:nvSpPr>
+          <p:cNvPr id="2" name="슬라이드 번호 개체 틀 1">
+            <a:extLst>
+              <a:ext uri="{FF2B5EF4-FFF2-40B4-BE49-F238E27FC236}">
+                <a16:creationId xmlns:a16="http://schemas.microsoft.com/office/drawing/2014/main" id="{5141BB9F-DC23-4F77-9170-6466315C281D}"/>
+              </a:ext>
+            </a:extLst>
+          </p:cNvPr>
+          <p:cNvSpPr>
+            <a:spLocks noGrp="1"/>
+          </p:cNvSpPr>
+          <p:nvPr>
+            <p:ph type="sldNum" sz="quarter" idx="12"/>
+          </p:nvPr>
+        </p:nvSpPr>
+        <p:spPr/>
+        <p:txBody>
+          <a:bodyPr/>
+          <a:lstStyle/>
+          <a:p>
+            <a:fld id="{3D1FA427-4C48-8040-8FB9-DF0FCDFDEE83}" type="slidenum">
+              <a:rPr kumimoji="1" lang="ko-KR" altLang="en-US" smtClean="0"/>
+              <a:t>9</a:t>
+            </a:fld>
+            <a:endParaRPr kumimoji="1" lang="ko-KR" altLang="en-US"/>
           </a:p>
         </p:txBody>
       </p:sp>
